--- a/6. Looping/6. Loop while.pptx
+++ b/6. Looping/6. Loop while.pptx
@@ -4208,7 +4208,7 @@
                 </a:solidFill>
                 <a:latin typeface="Consolas" panose="020B0609020204030204" pitchFamily="49" charset="0"/>
               </a:rPr>
-              <a:t>){false</a:t>
+              <a:t>){</a:t>
             </a:r>
           </a:p>
           <a:p>
